--- a/dist/Preto e Branco Software Project Canvas v1.0.pptx
+++ b/dist/Preto e Branco Software Project Canvas v1.0.pptx
@@ -6860,7 +6860,9 @@
           </a:prstGeom>
           <a:noFill/>
           <a:ln>
-            <a:noFill/>
+            <a:solidFill>
+              <a:schemeClr val="tx1"/>
+            </a:solidFill>
           </a:ln>
         </p:spPr>
         <p:txBody>
